--- a/01-Version-Control-Systems.pptx
+++ b/01-Version-Control-Systems.pptx
@@ -312,7 +312,7 @@
           <a:p>
             <a:fld id="{3EA744D9-3FBE-48D8-BF2A-85DF203E4D20}" type="datetimeFigureOut">
               <a:rPr lang="bg-BG" smtClean="0"/>
-              <a:t>15.7.2015 г.</a:t>
+              <a:t>16.7.2015 г.</a:t>
             </a:fld>
             <a:endParaRPr lang="bg-BG"/>
           </a:p>
@@ -482,7 +482,7 @@
           <a:p>
             <a:fld id="{3EA744D9-3FBE-48D8-BF2A-85DF203E4D20}" type="datetimeFigureOut">
               <a:rPr lang="bg-BG" smtClean="0"/>
-              <a:t>15.7.2015 г.</a:t>
+              <a:t>16.7.2015 г.</a:t>
             </a:fld>
             <a:endParaRPr lang="bg-BG"/>
           </a:p>
@@ -662,7 +662,7 @@
           <a:p>
             <a:fld id="{3EA744D9-3FBE-48D8-BF2A-85DF203E4D20}" type="datetimeFigureOut">
               <a:rPr lang="bg-BG" smtClean="0"/>
-              <a:t>15.7.2015 г.</a:t>
+              <a:t>16.7.2015 г.</a:t>
             </a:fld>
             <a:endParaRPr lang="bg-BG"/>
           </a:p>
@@ -832,7 +832,7 @@
           <a:p>
             <a:fld id="{3EA744D9-3FBE-48D8-BF2A-85DF203E4D20}" type="datetimeFigureOut">
               <a:rPr lang="bg-BG" smtClean="0"/>
-              <a:t>15.7.2015 г.</a:t>
+              <a:t>16.7.2015 г.</a:t>
             </a:fld>
             <a:endParaRPr lang="bg-BG"/>
           </a:p>
@@ -1078,7 +1078,7 @@
           <a:p>
             <a:fld id="{3EA744D9-3FBE-48D8-BF2A-85DF203E4D20}" type="datetimeFigureOut">
               <a:rPr lang="bg-BG" smtClean="0"/>
-              <a:t>15.7.2015 г.</a:t>
+              <a:t>16.7.2015 г.</a:t>
             </a:fld>
             <a:endParaRPr lang="bg-BG"/>
           </a:p>
@@ -1366,7 +1366,7 @@
           <a:p>
             <a:fld id="{3EA744D9-3FBE-48D8-BF2A-85DF203E4D20}" type="datetimeFigureOut">
               <a:rPr lang="bg-BG" smtClean="0"/>
-              <a:t>15.7.2015 г.</a:t>
+              <a:t>16.7.2015 г.</a:t>
             </a:fld>
             <a:endParaRPr lang="bg-BG"/>
           </a:p>
@@ -1788,7 +1788,7 @@
           <a:p>
             <a:fld id="{3EA744D9-3FBE-48D8-BF2A-85DF203E4D20}" type="datetimeFigureOut">
               <a:rPr lang="bg-BG" smtClean="0"/>
-              <a:t>15.7.2015 г.</a:t>
+              <a:t>16.7.2015 г.</a:t>
             </a:fld>
             <a:endParaRPr lang="bg-BG"/>
           </a:p>
@@ -1906,7 +1906,7 @@
           <a:p>
             <a:fld id="{3EA744D9-3FBE-48D8-BF2A-85DF203E4D20}" type="datetimeFigureOut">
               <a:rPr lang="bg-BG" smtClean="0"/>
-              <a:t>15.7.2015 г.</a:t>
+              <a:t>16.7.2015 г.</a:t>
             </a:fld>
             <a:endParaRPr lang="bg-BG"/>
           </a:p>
@@ -2001,7 +2001,7 @@
           <a:p>
             <a:fld id="{3EA744D9-3FBE-48D8-BF2A-85DF203E4D20}" type="datetimeFigureOut">
               <a:rPr lang="bg-BG" smtClean="0"/>
-              <a:t>15.7.2015 г.</a:t>
+              <a:t>16.7.2015 г.</a:t>
             </a:fld>
             <a:endParaRPr lang="bg-BG"/>
           </a:p>
@@ -2278,7 +2278,7 @@
           <a:p>
             <a:fld id="{3EA744D9-3FBE-48D8-BF2A-85DF203E4D20}" type="datetimeFigureOut">
               <a:rPr lang="bg-BG" smtClean="0"/>
-              <a:t>15.7.2015 г.</a:t>
+              <a:t>16.7.2015 г.</a:t>
             </a:fld>
             <a:endParaRPr lang="bg-BG"/>
           </a:p>
@@ -2531,7 +2531,7 @@
           <a:p>
             <a:fld id="{3EA744D9-3FBE-48D8-BF2A-85DF203E4D20}" type="datetimeFigureOut">
               <a:rPr lang="bg-BG" smtClean="0"/>
-              <a:t>15.7.2015 г.</a:t>
+              <a:t>16.7.2015 г.</a:t>
             </a:fld>
             <a:endParaRPr lang="bg-BG"/>
           </a:p>
@@ -2753,7 +2753,7 @@
           <a:p>
             <a:fld id="{3EA744D9-3FBE-48D8-BF2A-85DF203E4D20}" type="datetimeFigureOut">
               <a:rPr lang="bg-BG" smtClean="0"/>
-              <a:t>15.7.2015 г.</a:t>
+              <a:t>16.7.2015 г.</a:t>
             </a:fld>
             <a:endParaRPr lang="bg-BG"/>
           </a:p>
@@ -3151,7 +3151,31 @@
                   <a:schemeClr val="accent6"/>
                 </a:solidFill>
               </a:rPr>
-              <a:t>Version Control </a:t>
+              <a:t>Versio</a:t>
+            </a:r>
+            <a:r>
+              <a:rPr lang="en-US">
+                <a:solidFill>
+                  <a:schemeClr val="accent6"/>
+                </a:solidFill>
+              </a:rPr>
+              <a:t>n</a:t>
+            </a:r>
+            <a:r>
+              <a:rPr lang="en-US" smtClean="0">
+                <a:solidFill>
+                  <a:schemeClr val="accent6"/>
+                </a:solidFill>
+              </a:rPr>
+              <a:t> </a:t>
+            </a:r>
+            <a:r>
+              <a:rPr lang="en-US" smtClean="0">
+                <a:solidFill>
+                  <a:schemeClr val="accent6"/>
+                </a:solidFill>
+              </a:rPr>
+              <a:t>Control </a:t>
             </a:r>
             <a:r>
               <a:rPr lang="en-US" dirty="0" smtClean="0">
@@ -4315,17 +4339,7 @@
                   </a:schemeClr>
                 </a:solidFill>
               </a:rPr>
-              <a:t>помощна програма за разрешаване на </a:t>
-            </a:r>
-            <a:r>
-              <a:rPr lang="bg-BG" dirty="0" smtClean="0">
-                <a:solidFill>
-                  <a:schemeClr val="bg1">
-                    <a:lumMod val="95000"/>
-                  </a:schemeClr>
-                </a:solidFill>
-              </a:rPr>
-              <a:t>конфликти</a:t>
+              <a:t>помощна програма за разрешаване на конфликти</a:t>
             </a:r>
             <a:endParaRPr lang="en-US" dirty="0" smtClean="0">
               <a:solidFill>
